--- a/document/JuMeFood.pptx
+++ b/document/JuMeFood.pptx
@@ -119,6 +119,22 @@
       </a:defRPr>
     </a:lvl9pPr>
   </p:defaultTextStyle>
+  <p:extLst>
+    <p:ext uri="{EFAFB233-063F-42B5-8137-9DF3F51BA10A}">
+      <p15:sldGuideLst xmlns:p15="http://schemas.microsoft.com/office/powerpoint/2012/main">
+        <p15:guide id="1" orient="horz" pos="2160">
+          <p15:clr>
+            <a:srgbClr val="A4A3A4"/>
+          </p15:clr>
+        </p15:guide>
+        <p15:guide id="2" pos="3840">
+          <p15:clr>
+            <a:srgbClr val="A4A3A4"/>
+          </p15:clr>
+        </p15:guide>
+      </p15:sldGuideLst>
+    </p:ext>
+  </p:extLst>
 </p:presentation>
 </file>
 
@@ -3166,7 +3182,7 @@
     </p:spTree>
     <p:extLst>
       <p:ext uri="{BB962C8B-B14F-4D97-AF65-F5344CB8AC3E}">
-        <p14:creationId xmlns="" xmlns:p14="http://schemas.microsoft.com/office/powerpoint/2010/main" val="3256571789"/>
+        <p14:creationId xmlns:p14="http://schemas.microsoft.com/office/powerpoint/2010/main" val="3256571789"/>
       </p:ext>
     </p:extLst>
   </p:cSld>
@@ -3242,28 +3258,24 @@
               <a:rPr lang="en-US" altLang="zh-TW" smtClean="0"/>
               <a:t>node-gcm</a:t>
             </a:r>
-            <a:endParaRPr lang="en-US" altLang="zh-TW" smtClean="0"/>
           </a:p>
           <a:p>
             <a:r>
               <a:rPr lang="en-US" altLang="zh-TW" smtClean="0"/>
               <a:t>node-uuid</a:t>
             </a:r>
-            <a:endParaRPr lang="en-US" altLang="zh-TW" smtClean="0"/>
           </a:p>
           <a:p>
             <a:r>
               <a:rPr lang="en-US" altLang="zh-TW" smtClean="0"/>
               <a:t>Mysql</a:t>
             </a:r>
-            <a:endParaRPr lang="en-US" altLang="zh-TW" smtClean="0"/>
           </a:p>
           <a:p>
             <a:r>
               <a:rPr lang="en-US" altLang="zh-TW" smtClean="0"/>
               <a:t>fbgraph</a:t>
             </a:r>
-            <a:endParaRPr lang="en-US" altLang="zh-TW" smtClean="0"/>
           </a:p>
           <a:p>
             <a:r>
@@ -3458,7 +3470,7 @@
           <a:blip r:embed="rId2" cstate="print">
             <a:extLst>
               <a:ext uri="{28A0092B-C50C-407E-A947-70E740481C1C}">
-                <a14:useLocalDpi xmlns="" xmlns:a14="http://schemas.microsoft.com/office/drawing/2010/main" val="0"/>
+                <a14:useLocalDpi xmlns:a14="http://schemas.microsoft.com/office/drawing/2010/main" val="0"/>
               </a:ext>
             </a:extLst>
           </a:blip>
@@ -3529,7 +3541,7 @@
     </p:spTree>
     <p:extLst>
       <p:ext uri="{BB962C8B-B14F-4D97-AF65-F5344CB8AC3E}">
-        <p14:creationId xmlns="" xmlns:p14="http://schemas.microsoft.com/office/powerpoint/2010/main" val="1833764262"/>
+        <p14:creationId xmlns:p14="http://schemas.microsoft.com/office/powerpoint/2010/main" val="1833764262"/>
       </p:ext>
     </p:extLst>
   </p:cSld>
@@ -3712,7 +3724,7 @@
           <a:blip r:embed="rId2" cstate="print">
             <a:extLst>
               <a:ext uri="{28A0092B-C50C-407E-A947-70E740481C1C}">
-                <a14:useLocalDpi xmlns="" xmlns:a14="http://schemas.microsoft.com/office/drawing/2010/main" val="0"/>
+                <a14:useLocalDpi xmlns:a14="http://schemas.microsoft.com/office/drawing/2010/main" val="0"/>
               </a:ext>
             </a:extLst>
           </a:blip>
@@ -3733,7 +3745,7 @@
     </p:spTree>
     <p:extLst>
       <p:ext uri="{BB962C8B-B14F-4D97-AF65-F5344CB8AC3E}">
-        <p14:creationId xmlns="" xmlns:p14="http://schemas.microsoft.com/office/powerpoint/2010/main" val="4164572205"/>
+        <p14:creationId xmlns:p14="http://schemas.microsoft.com/office/powerpoint/2010/main" val="4164572205"/>
       </p:ext>
     </p:extLst>
   </p:cSld>
@@ -3848,7 +3860,7 @@
             <a:blip r:embed="rId2" cstate="print">
               <a:extLst>
                 <a:ext uri="{28A0092B-C50C-407E-A947-70E740481C1C}">
-                  <a14:useLocalDpi xmlns="" xmlns:a14="http://schemas.microsoft.com/office/drawing/2010/main" val="0"/>
+                  <a14:useLocalDpi xmlns:a14="http://schemas.microsoft.com/office/drawing/2010/main" val="0"/>
                 </a:ext>
               </a:extLst>
             </a:blip>
@@ -4008,7 +4020,7 @@
     </p:spTree>
     <p:extLst>
       <p:ext uri="{BB962C8B-B14F-4D97-AF65-F5344CB8AC3E}">
-        <p14:creationId xmlns="" xmlns:p14="http://schemas.microsoft.com/office/powerpoint/2010/main" val="3727314678"/>
+        <p14:creationId xmlns:p14="http://schemas.microsoft.com/office/powerpoint/2010/main" val="3727314678"/>
       </p:ext>
     </p:extLst>
   </p:cSld>
@@ -4133,7 +4145,7 @@
             <a:blip r:embed="rId2" cstate="print">
               <a:extLst>
                 <a:ext uri="{28A0092B-C50C-407E-A947-70E740481C1C}">
-                  <a14:useLocalDpi xmlns="" xmlns:a14="http://schemas.microsoft.com/office/drawing/2010/main" val="0"/>
+                  <a14:useLocalDpi xmlns:a14="http://schemas.microsoft.com/office/drawing/2010/main" val="0"/>
                 </a:ext>
               </a:extLst>
             </a:blip>
@@ -4247,7 +4259,7 @@
     </p:spTree>
     <p:extLst>
       <p:ext uri="{BB962C8B-B14F-4D97-AF65-F5344CB8AC3E}">
-        <p14:creationId xmlns="" xmlns:p14="http://schemas.microsoft.com/office/powerpoint/2010/main" val="3330959506"/>
+        <p14:creationId xmlns:p14="http://schemas.microsoft.com/office/powerpoint/2010/main" val="3330959506"/>
       </p:ext>
     </p:extLst>
   </p:cSld>
@@ -4333,7 +4345,7 @@
     </p:spTree>
     <p:extLst>
       <p:ext uri="{BB962C8B-B14F-4D97-AF65-F5344CB8AC3E}">
-        <p14:creationId xmlns="" xmlns:p14="http://schemas.microsoft.com/office/powerpoint/2010/main" val="1669018707"/>
+        <p14:creationId xmlns:p14="http://schemas.microsoft.com/office/powerpoint/2010/main" val="1669018707"/>
       </p:ext>
     </p:extLst>
   </p:cSld>
@@ -4414,30 +4426,14 @@
           <a:p>
             <a:r>
               <a:rPr lang="zh-TW" altLang="en-US" smtClean="0"/>
-              <a:t>前</a:t>
-            </a:r>
-            <a:r>
-              <a:rPr lang="zh-TW" altLang="en-US" smtClean="0"/>
-              <a:t>端</a:t>
-            </a:r>
-            <a:r>
-              <a:rPr lang="zh-TW" altLang="en-US" smtClean="0"/>
-              <a:t>技術</a:t>
+              <a:t>前端技術</a:t>
             </a:r>
             <a:endParaRPr lang="en-US" altLang="zh-TW" smtClean="0"/>
           </a:p>
           <a:p>
             <a:r>
               <a:rPr lang="zh-TW" altLang="en-US" smtClean="0"/>
-              <a:t>後</a:t>
-            </a:r>
-            <a:r>
-              <a:rPr lang="zh-TW" altLang="en-US" smtClean="0"/>
-              <a:t>端</a:t>
-            </a:r>
-            <a:r>
-              <a:rPr lang="zh-TW" altLang="en-US" smtClean="0"/>
-              <a:t>技術</a:t>
+              <a:t>後端技術</a:t>
             </a:r>
             <a:endParaRPr lang="en-US" altLang="zh-TW" smtClean="0"/>
           </a:p>
@@ -4464,6 +4460,13 @@
   <p:clrMapOvr>
     <a:masterClrMapping/>
   </p:clrMapOvr>
+  <p:timing>
+    <p:tnLst>
+      <p:par>
+        <p:cTn id="1" dur="indefinite" restart="never" nodeType="tmRoot"/>
+      </p:par>
+    </p:tnLst>
+  </p:timing>
 </p:sld>
 </file>
 
@@ -4531,6 +4534,13 @@
   <p:clrMapOvr>
     <a:masterClrMapping/>
   </p:clrMapOvr>
+  <p:timing>
+    <p:tnLst>
+      <p:par>
+        <p:cTn id="1" dur="indefinite" restart="never" nodeType="tmRoot"/>
+      </p:par>
+    </p:tnLst>
+  </p:timing>
 </p:sld>
 </file>
 
@@ -4590,57 +4600,56 @@
           <a:lstStyle/>
           <a:p>
             <a:r>
+              <a:rPr lang="en-US" altLang="zh-TW" dirty="0" smtClean="0"/>
+              <a:t>Server – </a:t>
+            </a:r>
+            <a:r>
+              <a:rPr lang="en-US" altLang="zh-TW" dirty="0" err="1" smtClean="0"/>
+              <a:t>NodeJS</a:t>
+            </a:r>
+            <a:endParaRPr lang="en-US" altLang="zh-TW" dirty="0" smtClean="0"/>
+          </a:p>
+          <a:p>
+            <a:r>
+              <a:rPr lang="en-US" altLang="zh-TW" dirty="0" smtClean="0"/>
+              <a:t>DB – MySQL</a:t>
+            </a:r>
+          </a:p>
+          <a:p>
+            <a:r>
+              <a:rPr lang="en-US" altLang="zh-TW" dirty="0" smtClean="0"/>
+              <a:t>API </a:t>
+            </a:r>
+            <a:r>
               <a:rPr lang="en-US" altLang="zh-TW" smtClean="0"/>
-              <a:t>Server </a:t>
+              <a:t>– </a:t>
             </a:r>
             <a:r>
               <a:rPr lang="en-US" altLang="zh-TW" smtClean="0"/>
-              <a:t>–</a:t>
-            </a:r>
-            <a:r>
-              <a:rPr lang="en-US" altLang="zh-TW" smtClean="0"/>
-              <a:t> NodeJS</a:t>
-            </a:r>
-          </a:p>
-          <a:p>
-            <a:r>
-              <a:rPr lang="en-US" altLang="zh-TW" smtClean="0"/>
-              <a:t>DB </a:t>
-            </a:r>
-            <a:r>
-              <a:rPr lang="en-US" altLang="zh-TW" smtClean="0"/>
-              <a:t>–</a:t>
-            </a:r>
-            <a:r>
-              <a:rPr lang="en-US" altLang="zh-TW" smtClean="0"/>
-              <a:t> MySQL</a:t>
-            </a:r>
-          </a:p>
-          <a:p>
-            <a:r>
-              <a:rPr lang="en-US" altLang="zh-TW" smtClean="0"/>
-              <a:t>Api </a:t>
-            </a:r>
-            <a:r>
-              <a:rPr lang="en-US" altLang="zh-TW" smtClean="0"/>
-              <a:t>–</a:t>
-            </a:r>
-            <a:r>
-              <a:rPr lang="en-US" altLang="zh-TW" smtClean="0"/>
-              <a:t> MQTT</a:t>
-            </a:r>
-          </a:p>
-          <a:p>
-            <a:r>
-              <a:rPr lang="en-US" altLang="zh-TW" smtClean="0"/>
-              <a:t>Facebook – login</a:t>
-            </a:r>
-          </a:p>
-          <a:p>
-            <a:endParaRPr lang="en-US" altLang="zh-TW" smtClean="0"/>
-          </a:p>
-          <a:p>
-            <a:endParaRPr lang="zh-TW" altLang="en-US"/>
+              <a:t>HTTP </a:t>
+            </a:r>
+            <a:r>
+              <a:rPr lang="en-US" altLang="zh-TW" dirty="0" smtClean="0"/>
+              <a:t>&amp; MQTT</a:t>
+            </a:r>
+            <a:endParaRPr lang="en-US" altLang="zh-TW" dirty="0" smtClean="0"/>
+          </a:p>
+          <a:p>
+            <a:r>
+              <a:rPr lang="en-US" altLang="zh-TW" dirty="0" smtClean="0"/>
+              <a:t>Facebook – </a:t>
+            </a:r>
+            <a:r>
+              <a:rPr lang="en-US" altLang="zh-TW" dirty="0" smtClean="0"/>
+              <a:t>Login</a:t>
+            </a:r>
+            <a:endParaRPr lang="en-US" altLang="zh-TW" dirty="0" smtClean="0"/>
+          </a:p>
+          <a:p>
+            <a:endParaRPr lang="en-US" altLang="zh-TW" dirty="0" smtClean="0"/>
+          </a:p>
+          <a:p>
+            <a:endParaRPr lang="zh-TW" altLang="en-US" dirty="0"/>
           </a:p>
         </p:txBody>
       </p:sp>
@@ -4676,6 +4685,13 @@
   <p:clrMapOvr>
     <a:masterClrMapping/>
   </p:clrMapOvr>
+  <p:timing>
+    <p:tnLst>
+      <p:par>
+        <p:cTn id="1" dur="indefinite" restart="never" nodeType="tmRoot"/>
+      </p:par>
+    </p:tnLst>
+  </p:timing>
 </p:sld>
 </file>
 
@@ -4849,7 +4865,7 @@
           <a:blip r:embed="rId2" cstate="print">
             <a:extLst>
               <a:ext uri="{28A0092B-C50C-407E-A947-70E740481C1C}">
-                <a14:useLocalDpi xmlns="" xmlns:a14="http://schemas.microsoft.com/office/drawing/2010/main" val="0"/>
+                <a14:useLocalDpi xmlns:a14="http://schemas.microsoft.com/office/drawing/2010/main" val="0"/>
               </a:ext>
             </a:extLst>
           </a:blip>
@@ -4879,7 +4895,7 @@
           <a:blip r:embed="rId3" cstate="print">
             <a:extLst>
               <a:ext uri="{28A0092B-C50C-407E-A947-70E740481C1C}">
-                <a14:useLocalDpi xmlns="" xmlns:a14="http://schemas.microsoft.com/office/drawing/2010/main" val="0"/>
+                <a14:useLocalDpi xmlns:a14="http://schemas.microsoft.com/office/drawing/2010/main" val="0"/>
               </a:ext>
             </a:extLst>
           </a:blip>
@@ -4900,7 +4916,7 @@
     </p:spTree>
     <p:extLst>
       <p:ext uri="{BB962C8B-B14F-4D97-AF65-F5344CB8AC3E}">
-        <p14:creationId xmlns="" xmlns:p14="http://schemas.microsoft.com/office/powerpoint/2010/main" val="3069299616"/>
+        <p14:creationId xmlns:p14="http://schemas.microsoft.com/office/powerpoint/2010/main" val="3069299616"/>
       </p:ext>
     </p:extLst>
   </p:cSld>
@@ -4996,7 +5012,7 @@
           <a:blip r:embed="rId2" cstate="print">
             <a:extLst>
               <a:ext uri="{28A0092B-C50C-407E-A947-70E740481C1C}">
-                <a14:useLocalDpi xmlns="" xmlns:a14="http://schemas.microsoft.com/office/drawing/2010/main" val="0"/>
+                <a14:useLocalDpi xmlns:a14="http://schemas.microsoft.com/office/drawing/2010/main" val="0"/>
               </a:ext>
             </a:extLst>
           </a:blip>
@@ -5017,7 +5033,7 @@
     </p:spTree>
     <p:extLst>
       <p:ext uri="{BB962C8B-B14F-4D97-AF65-F5344CB8AC3E}">
-        <p14:creationId xmlns="" xmlns:p14="http://schemas.microsoft.com/office/powerpoint/2010/main" val="1943866513"/>
+        <p14:creationId xmlns:p14="http://schemas.microsoft.com/office/powerpoint/2010/main" val="1943866513"/>
       </p:ext>
     </p:extLst>
   </p:cSld>
@@ -5121,7 +5137,7 @@
           <a:blip r:embed="rId2" cstate="print">
             <a:extLst>
               <a:ext uri="{28A0092B-C50C-407E-A947-70E740481C1C}">
-                <a14:useLocalDpi xmlns="" xmlns:a14="http://schemas.microsoft.com/office/drawing/2010/main" val="0"/>
+                <a14:useLocalDpi xmlns:a14="http://schemas.microsoft.com/office/drawing/2010/main" val="0"/>
               </a:ext>
             </a:extLst>
           </a:blip>
@@ -5142,7 +5158,7 @@
     </p:spTree>
     <p:extLst>
       <p:ext uri="{BB962C8B-B14F-4D97-AF65-F5344CB8AC3E}">
-        <p14:creationId xmlns="" xmlns:p14="http://schemas.microsoft.com/office/powerpoint/2010/main" val="4213432643"/>
+        <p14:creationId xmlns:p14="http://schemas.microsoft.com/office/powerpoint/2010/main" val="4213432643"/>
       </p:ext>
     </p:extLst>
   </p:cSld>
